--- a/src/rpro_ppt7.pptx
+++ b/src/rpro_ppt7.pptx
@@ -199,7 +199,7 @@
             <a:fld id="{FDD434B5-3884-491B-9701-01188EF54E6D}" type="datetimeFigureOut">
               <a:rPr lang="he-IL" smtClean="0"/>
               <a:pPr/>
-              <a:t>כ"ג/חשון/תשע"ח</a:t>
+              <a:t>י"א/אדר/תשע"ח</a:t>
             </a:fld>
             <a:endParaRPr lang="he-IL"/>
           </a:p>
@@ -1617,7 +1617,7 @@
             <a:fld id="{48A87A34-81AB-432B-8DAE-1953F412C126}" type="datetimeFigureOut">
               <a:rPr lang="en-US" smtClean="0"/>
               <a:pPr/>
-              <a:t>11/12/2017</a:t>
+              <a:t>2/26/2018</a:t>
             </a:fld>
             <a:endParaRPr lang="en-US" dirty="0"/>
           </a:p>
@@ -1870,7 +1870,7 @@
             <a:fld id="{48A87A34-81AB-432B-8DAE-1953F412C126}" type="datetimeFigureOut">
               <a:rPr lang="en-US" smtClean="0"/>
               <a:pPr/>
-              <a:t>11/12/2017</a:t>
+              <a:t>2/26/2018</a:t>
             </a:fld>
             <a:endParaRPr lang="en-US" dirty="0"/>
           </a:p>
@@ -2186,7 +2186,7 @@
             <a:fld id="{48A87A34-81AB-432B-8DAE-1953F412C126}" type="datetimeFigureOut">
               <a:rPr lang="en-US" smtClean="0"/>
               <a:pPr/>
-              <a:t>11/12/2017</a:t>
+              <a:t>2/26/2018</a:t>
             </a:fld>
             <a:endParaRPr lang="en-US" dirty="0"/>
           </a:p>
@@ -2529,7 +2529,7 @@
             <a:fld id="{48A87A34-81AB-432B-8DAE-1953F412C126}" type="datetimeFigureOut">
               <a:rPr lang="en-US" smtClean="0"/>
               <a:pPr/>
-              <a:t>11/12/2017</a:t>
+              <a:t>2/26/2018</a:t>
             </a:fld>
             <a:endParaRPr lang="en-US" dirty="0"/>
           </a:p>
@@ -2845,7 +2845,7 @@
             <a:fld id="{48A87A34-81AB-432B-8DAE-1953F412C126}" type="datetimeFigureOut">
               <a:rPr lang="en-US" smtClean="0"/>
               <a:pPr/>
-              <a:t>11/12/2017</a:t>
+              <a:t>2/26/2018</a:t>
             </a:fld>
             <a:endParaRPr lang="en-US" dirty="0"/>
           </a:p>
@@ -3240,7 +3240,7 @@
             <a:fld id="{48A87A34-81AB-432B-8DAE-1953F412C126}" type="datetimeFigureOut">
               <a:rPr lang="en-US" smtClean="0"/>
               <a:pPr/>
-              <a:t>11/12/2017</a:t>
+              <a:t>2/26/2018</a:t>
             </a:fld>
             <a:endParaRPr lang="en-US" dirty="0"/>
           </a:p>
@@ -3412,7 +3412,7 @@
             <a:fld id="{48A87A34-81AB-432B-8DAE-1953F412C126}" type="datetimeFigureOut">
               <a:rPr lang="en-US" smtClean="0"/>
               <a:pPr/>
-              <a:t>11/12/2017</a:t>
+              <a:t>2/26/2018</a:t>
             </a:fld>
             <a:endParaRPr lang="en-US" dirty="0"/>
           </a:p>
@@ -3594,7 +3594,7 @@
             <a:fld id="{48A87A34-81AB-432B-8DAE-1953F412C126}" type="datetimeFigureOut">
               <a:rPr lang="en-US" smtClean="0"/>
               <a:pPr/>
-              <a:t>11/12/2017</a:t>
+              <a:t>2/26/2018</a:t>
             </a:fld>
             <a:endParaRPr lang="en-US" dirty="0"/>
           </a:p>
@@ -3772,7 +3772,7 @@
             <a:fld id="{48A87A34-81AB-432B-8DAE-1953F412C126}" type="datetimeFigureOut">
               <a:rPr lang="en-US" smtClean="0"/>
               <a:pPr/>
-              <a:t>11/12/2017</a:t>
+              <a:t>2/26/2018</a:t>
             </a:fld>
             <a:endParaRPr lang="en-US" dirty="0"/>
           </a:p>
@@ -4021,7 +4021,7 @@
             <a:fld id="{48A87A34-81AB-432B-8DAE-1953F412C126}" type="datetimeFigureOut">
               <a:rPr lang="en-US" smtClean="0"/>
               <a:pPr/>
-              <a:t>11/12/2017</a:t>
+              <a:t>2/26/2018</a:t>
             </a:fld>
             <a:endParaRPr lang="en-US" dirty="0"/>
           </a:p>
@@ -4255,7 +4255,7 @@
             <a:fld id="{48A87A34-81AB-432B-8DAE-1953F412C126}" type="datetimeFigureOut">
               <a:rPr lang="en-US" smtClean="0"/>
               <a:pPr/>
-              <a:t>11/12/2017</a:t>
+              <a:t>2/26/2018</a:t>
             </a:fld>
             <a:endParaRPr lang="en-US" dirty="0"/>
           </a:p>
@@ -4631,7 +4631,7 @@
             <a:fld id="{48A87A34-81AB-432B-8DAE-1953F412C126}" type="datetimeFigureOut">
               <a:rPr lang="en-US" smtClean="0"/>
               <a:pPr/>
-              <a:t>11/12/2017</a:t>
+              <a:t>2/26/2018</a:t>
             </a:fld>
             <a:endParaRPr lang="en-US" dirty="0"/>
           </a:p>
@@ -4756,7 +4756,7 @@
             <a:fld id="{48A87A34-81AB-432B-8DAE-1953F412C126}" type="datetimeFigureOut">
               <a:rPr lang="en-US" smtClean="0"/>
               <a:pPr/>
-              <a:t>11/12/2017</a:t>
+              <a:t>2/26/2018</a:t>
             </a:fld>
             <a:endParaRPr lang="en-US" dirty="0"/>
           </a:p>
@@ -4853,7 +4853,7 @@
             <a:fld id="{48A87A34-81AB-432B-8DAE-1953F412C126}" type="datetimeFigureOut">
               <a:rPr lang="en-US" smtClean="0"/>
               <a:pPr/>
-              <a:t>11/12/2017</a:t>
+              <a:t>2/26/2018</a:t>
             </a:fld>
             <a:endParaRPr lang="en-US" dirty="0"/>
           </a:p>
@@ -5110,7 +5110,7 @@
             <a:fld id="{48A87A34-81AB-432B-8DAE-1953F412C126}" type="datetimeFigureOut">
               <a:rPr lang="en-US" smtClean="0"/>
               <a:pPr/>
-              <a:t>11/12/2017</a:t>
+              <a:t>2/26/2018</a:t>
             </a:fld>
             <a:endParaRPr lang="en-US" dirty="0"/>
           </a:p>
@@ -5375,7 +5375,7 @@
             <a:fld id="{48A87A34-81AB-432B-8DAE-1953F412C126}" type="datetimeFigureOut">
               <a:rPr lang="en-US" smtClean="0"/>
               <a:pPr/>
-              <a:t>11/12/2017</a:t>
+              <a:t>2/26/2018</a:t>
             </a:fld>
             <a:endParaRPr lang="en-US" dirty="0"/>
           </a:p>
@@ -6120,7 +6120,7 @@
             <a:fld id="{48A87A34-81AB-432B-8DAE-1953F412C126}" type="datetimeFigureOut">
               <a:rPr lang="en-US" smtClean="0"/>
               <a:pPr/>
-              <a:t>11/12/2017</a:t>
+              <a:t>2/26/2018</a:t>
             </a:fld>
             <a:endParaRPr lang="en-US" dirty="0"/>
           </a:p>
@@ -6821,11 +6821,7 @@
           <a:p>
             <a:r>
               <a:rPr lang="he-IL" sz="3500" dirty="0" smtClean="0"/>
-              <a:t>בואו </a:t>
-            </a:r>
-            <a:r>
-              <a:rPr lang="he-IL" sz="3500" dirty="0" smtClean="0"/>
-              <a:t>נבנה רובוט!</a:t>
+              <a:t>בואו נבנה רובוט!</a:t>
             </a:r>
           </a:p>
           <a:p>
@@ -7089,18 +7085,7 @@
                   </a:prstClr>
                 </a:solidFill>
               </a:rPr>
-              <a:t> רכיב קלט או פלט</a:t>
-            </a:r>
-            <a:r>
-              <a:rPr lang="he-IL" sz="3600" dirty="0" smtClean="0">
-                <a:solidFill>
-                  <a:prstClr val="black">
-                    <a:lumMod val="75000"/>
-                    <a:lumOff val="25000"/>
-                  </a:prstClr>
-                </a:solidFill>
-              </a:rPr>
-              <a:t>?</a:t>
+              <a:t> רכיב קלט או פלט?</a:t>
             </a:r>
           </a:p>
           <a:p>
@@ -7124,18 +7109,7 @@
                   </a:prstClr>
                 </a:solidFill>
               </a:rPr>
-              <a:t> עיבוד </a:t>
-            </a:r>
-            <a:r>
-              <a:rPr lang="he-IL" sz="3600" dirty="0" smtClean="0">
-                <a:solidFill>
-                  <a:prstClr val="black">
-                    <a:lumMod val="75000"/>
-                    <a:lumOff val="25000"/>
-                  </a:prstClr>
-                </a:solidFill>
-              </a:rPr>
-              <a:t>תמונה</a:t>
+              <a:t> עיבוד תמונה</a:t>
             </a:r>
           </a:p>
           <a:p>
@@ -7230,11 +7204,12 @@
                     <a:lumOff val="25000"/>
                   </a:prstClr>
                 </a:solidFill>
+                <a:hlinkClick r:id="rId3"/>
               </a:rPr>
-              <a:t>חוברת עבודה- </a:t>
-            </a:r>
-            <a:r>
-              <a:rPr lang="he-IL" sz="3600" dirty="0" smtClean="0">
+              <a:t>חוברת עבודה עצמית</a:t>
+            </a:r>
+            <a:r>
+              <a:rPr lang="he-IL" sz="3600" b="1" dirty="0" smtClean="0">
                 <a:solidFill>
                   <a:prstClr val="black">
                     <a:lumMod val="75000"/>
@@ -7242,7 +7217,18 @@
                   </a:prstClr>
                 </a:solidFill>
               </a:rPr>
-              <a:t>היכרות:</a:t>
+              <a:t> - </a:t>
+            </a:r>
+            <a:r>
+              <a:rPr lang="he-IL" sz="3600" dirty="0" smtClean="0">
+                <a:solidFill>
+                  <a:prstClr val="black">
+                    <a:lumMod val="75000"/>
+                    <a:lumOff val="25000"/>
+                  </a:prstClr>
+                </a:solidFill>
+              </a:rPr>
+              <a:t>היכרות</a:t>
             </a:r>
           </a:p>
           <a:p>
@@ -7289,26 +7275,6 @@
           </a:p>
         </p:txBody>
       </p:sp>
-      <p:graphicFrame>
-        <p:nvGraphicFramePr>
-          <p:cNvPr id="7" name="Object 6"/>
-          <p:cNvGraphicFramePr>
-            <a:graphicFrameLocks noChangeAspect="1"/>
-          </p:cNvGraphicFramePr>
-          <p:nvPr/>
-        </p:nvGraphicFramePr>
-        <p:xfrm>
-          <a:off x="2342151" y="5281111"/>
-          <a:ext cx="1868905" cy="1576889"/>
-        </p:xfrm>
-        <a:graphic>
-          <a:graphicData uri="http://schemas.openxmlformats.org/presentationml/2006/ole">
-            <p:oleObj spid="_x0000_s1028" name="Document" showAsIcon="1" r:id="rId4" imgW="914400" imgH="771480" progId="Word.Document.12">
-              <p:embed/>
-            </p:oleObj>
-          </a:graphicData>
-        </a:graphic>
-      </p:graphicFrame>
     </p:spTree>
     <p:extLst>
       <p:ext uri="{BB962C8B-B14F-4D97-AF65-F5344CB8AC3E}">
@@ -7674,40 +7640,7 @@
                   </a:prstClr>
                 </a:solidFill>
               </a:rPr>
-              <a:t> תכנות בסיסי: תכנת את המצלמה </a:t>
-            </a:r>
-            <a:r>
-              <a:rPr lang="he-IL" sz="4000" dirty="0" smtClean="0">
-                <a:solidFill>
-                  <a:prstClr val="black">
-                    <a:lumMod val="75000"/>
-                    <a:lumOff val="25000"/>
-                  </a:prstClr>
-                </a:solidFill>
-              </a:rPr>
-              <a:t>(ללא </a:t>
-            </a:r>
-            <a:r>
-              <a:rPr lang="he-IL" sz="4000" dirty="0" smtClean="0">
-                <a:solidFill>
-                  <a:prstClr val="black">
-                    <a:lumMod val="75000"/>
-                    <a:lumOff val="25000"/>
-                  </a:prstClr>
-                </a:solidFill>
-              </a:rPr>
-              <a:t>תזוזה) להשמעת צליל אזעקה כאשר היא קולטת תנועה במרחב </a:t>
-            </a:r>
-            <a:r>
-              <a:rPr lang="he-IL" sz="4000" dirty="0" smtClean="0">
-                <a:solidFill>
-                  <a:prstClr val="black">
-                    <a:lumMod val="75000"/>
-                    <a:lumOff val="25000"/>
-                  </a:prstClr>
-                </a:solidFill>
-              </a:rPr>
-              <a:t>מולה</a:t>
+              <a:t> תכנות בסיסי: תכנת את המצלמה (ללא תזוזה) להשמעת צליל אזעקה כאשר היא קולטת תנועה במרחב מולה</a:t>
             </a:r>
           </a:p>
           <a:p>
@@ -7741,19 +7674,21 @@
                     <a:lumOff val="25000"/>
                   </a:prstClr>
                 </a:solidFill>
+                <a:hlinkClick r:id="rId3"/>
               </a:rPr>
-              <a:t>חוברת עבודה</a:t>
-            </a:r>
-            <a:r>
-              <a:rPr lang="he-IL" sz="4000" dirty="0" smtClean="0">
+              <a:t>חוברת עבודה </a:t>
+            </a:r>
+            <a:r>
+              <a:rPr lang="he-IL" sz="4000" b="1" dirty="0" smtClean="0">
                 <a:solidFill>
                   <a:prstClr val="black">
                     <a:lumMod val="75000"/>
                     <a:lumOff val="25000"/>
                   </a:prstClr>
                 </a:solidFill>
+                <a:hlinkClick r:id="rId3"/>
               </a:rPr>
-              <a:t> </a:t>
+              <a:t>עצמית </a:t>
             </a:r>
             <a:r>
               <a:rPr lang="he-IL" sz="4000" dirty="0" smtClean="0">
@@ -7764,7 +7699,29 @@
                   </a:prstClr>
                 </a:solidFill>
               </a:rPr>
-              <a:t>- תרגול תכנות:</a:t>
+              <a:t>- </a:t>
+            </a:r>
+            <a:r>
+              <a:rPr lang="he-IL" sz="4000" dirty="0" smtClean="0">
+                <a:solidFill>
+                  <a:prstClr val="black">
+                    <a:lumMod val="75000"/>
+                    <a:lumOff val="25000"/>
+                  </a:prstClr>
+                </a:solidFill>
+              </a:rPr>
+              <a:t>תרגול </a:t>
+            </a:r>
+            <a:r>
+              <a:rPr lang="he-IL" sz="4000" dirty="0" smtClean="0">
+                <a:solidFill>
+                  <a:prstClr val="black">
+                    <a:lumMod val="75000"/>
+                    <a:lumOff val="25000"/>
+                  </a:prstClr>
+                </a:solidFill>
+              </a:rPr>
+              <a:t>תכנות</a:t>
             </a:r>
             <a:endParaRPr lang="en-US" sz="4000" dirty="0" smtClean="0">
               <a:solidFill>
@@ -7796,26 +7753,6 @@
           </a:p>
         </p:txBody>
       </p:sp>
-      <p:graphicFrame>
-        <p:nvGraphicFramePr>
-          <p:cNvPr id="5" name="Object 4"/>
-          <p:cNvGraphicFramePr>
-            <a:graphicFrameLocks noChangeAspect="1"/>
-          </p:cNvGraphicFramePr>
-          <p:nvPr/>
-        </p:nvGraphicFramePr>
-        <p:xfrm>
-          <a:off x="481265" y="5197642"/>
-          <a:ext cx="1967831" cy="1660358"/>
-        </p:xfrm>
-        <a:graphic>
-          <a:graphicData uri="http://schemas.openxmlformats.org/presentationml/2006/ole">
-            <p:oleObj spid="_x0000_s2050" name="Document" showAsIcon="1" r:id="rId4" imgW="914400" imgH="771480" progId="Word.Document.12">
-              <p:embed/>
-            </p:oleObj>
-          </a:graphicData>
-        </a:graphic>
-      </p:graphicFrame>
     </p:spTree>
     <p:extLst>
       <p:ext uri="{BB962C8B-B14F-4D97-AF65-F5344CB8AC3E}">
